--- a/int_analysis_mat_methods/06_simpson/simpson.pptx
+++ b/int_analysis_mat_methods/06_simpson/simpson.pptx
@@ -8,12 +8,9 @@
     <p:sldId id="256" r:id="rId2"/>
     <p:sldId id="257" r:id="rId3"/>
     <p:sldId id="258" r:id="rId4"/>
-    <p:sldId id="260" r:id="rId5"/>
-    <p:sldId id="261" r:id="rId6"/>
-    <p:sldId id="262" r:id="rId7"/>
-    <p:sldId id="263" r:id="rId8"/>
-    <p:sldId id="264" r:id="rId9"/>
-    <p:sldId id="265" r:id="rId10"/>
+    <p:sldId id="259" r:id="rId5"/>
+    <p:sldId id="260" r:id="rId6"/>
+    <p:sldId id="261" r:id="rId7"/>
   </p:sldIdLst>
   <p:sldSz cx="9144000" cy="6858000" type="screen4x3"/>
   <p:notesSz cx="6858000" cy="9144000"/>
@@ -112,6 +109,22 @@
       </a:defRPr>
     </a:lvl9pPr>
   </p:defaultTextStyle>
+  <p:extLst>
+    <p:ext uri="{EFAFB233-063F-42B5-8137-9DF3F51BA10A}">
+      <p15:sldGuideLst xmlns:p15="http://schemas.microsoft.com/office/powerpoint/2012/main">
+        <p15:guide id="1" orient="horz" pos="2160">
+          <p15:clr>
+            <a:srgbClr val="A4A3A4"/>
+          </p15:clr>
+        </p15:guide>
+        <p15:guide id="2" pos="2880">
+          <p15:clr>
+            <a:srgbClr val="A4A3A4"/>
+          </p15:clr>
+        </p15:guide>
+      </p15:sldGuideLst>
+    </p:ext>
+  </p:extLst>
 </p:presentation>
 </file>
 
@@ -153,10 +166,9 @@
           <a:lstStyle/>
           <a:p>
             <a:r>
-              <a:rPr lang="ru-RU" smtClean="0"/>
+              <a:rPr lang="ru-RU"/>
               <a:t>Образец заголовка</a:t>
             </a:r>
-            <a:endParaRPr lang="ru-RU"/>
           </a:p>
         </p:txBody>
       </p:sp>
@@ -272,10 +284,9 @@
           </a:lstStyle>
           <a:p>
             <a:r>
-              <a:rPr lang="ru-RU" smtClean="0"/>
+              <a:rPr lang="ru-RU"/>
               <a:t>Образец подзаголовка</a:t>
             </a:r>
-            <a:endParaRPr lang="ru-RU"/>
           </a:p>
         </p:txBody>
       </p:sp>
@@ -296,7 +307,7 @@
           <a:p>
             <a:fld id="{2FF1D808-6D6E-41EB-89EC-20A3B3FF1985}" type="datetimeFigureOut">
               <a:rPr lang="ru-RU" smtClean="0"/>
-              <a:t>12.04.2022</a:t>
+              <a:t>18.05.2022</a:t>
             </a:fld>
             <a:endParaRPr lang="ru-RU"/>
           </a:p>
@@ -390,10 +401,9 @@
           <a:lstStyle/>
           <a:p>
             <a:r>
-              <a:rPr lang="ru-RU" smtClean="0"/>
+              <a:rPr lang="ru-RU"/>
               <a:t>Образец заголовка</a:t>
             </a:r>
-            <a:endParaRPr lang="ru-RU"/>
           </a:p>
         </p:txBody>
       </p:sp>
@@ -414,38 +424,37 @@
           <a:p>
             <a:pPr lvl="0"/>
             <a:r>
-              <a:rPr lang="ru-RU" smtClean="0"/>
+              <a:rPr lang="ru-RU"/>
               <a:t>Образец текста</a:t>
             </a:r>
           </a:p>
           <a:p>
             <a:pPr lvl="1"/>
             <a:r>
-              <a:rPr lang="ru-RU" smtClean="0"/>
+              <a:rPr lang="ru-RU"/>
               <a:t>Второй уровень</a:t>
             </a:r>
           </a:p>
           <a:p>
             <a:pPr lvl="2"/>
             <a:r>
-              <a:rPr lang="ru-RU" smtClean="0"/>
+              <a:rPr lang="ru-RU"/>
               <a:t>Третий уровень</a:t>
             </a:r>
           </a:p>
           <a:p>
             <a:pPr lvl="3"/>
             <a:r>
-              <a:rPr lang="ru-RU" smtClean="0"/>
+              <a:rPr lang="ru-RU"/>
               <a:t>Четвертый уровень</a:t>
             </a:r>
           </a:p>
           <a:p>
             <a:pPr lvl="4"/>
             <a:r>
-              <a:rPr lang="ru-RU" smtClean="0"/>
+              <a:rPr lang="ru-RU"/>
               <a:t>Пятый уровень</a:t>
             </a:r>
-            <a:endParaRPr lang="ru-RU"/>
           </a:p>
         </p:txBody>
       </p:sp>
@@ -466,7 +475,7 @@
           <a:p>
             <a:fld id="{2FF1D808-6D6E-41EB-89EC-20A3B3FF1985}" type="datetimeFigureOut">
               <a:rPr lang="ru-RU" smtClean="0"/>
-              <a:t>12.04.2022</a:t>
+              <a:t>18.05.2022</a:t>
             </a:fld>
             <a:endParaRPr lang="ru-RU"/>
           </a:p>
@@ -565,10 +574,9 @@
           <a:lstStyle/>
           <a:p>
             <a:r>
-              <a:rPr lang="ru-RU" smtClean="0"/>
+              <a:rPr lang="ru-RU"/>
               <a:t>Образец заголовка</a:t>
             </a:r>
-            <a:endParaRPr lang="ru-RU"/>
           </a:p>
         </p:txBody>
       </p:sp>
@@ -594,38 +602,37 @@
           <a:p>
             <a:pPr lvl="0"/>
             <a:r>
-              <a:rPr lang="ru-RU" smtClean="0"/>
+              <a:rPr lang="ru-RU"/>
               <a:t>Образец текста</a:t>
             </a:r>
           </a:p>
           <a:p>
             <a:pPr lvl="1"/>
             <a:r>
-              <a:rPr lang="ru-RU" smtClean="0"/>
+              <a:rPr lang="ru-RU"/>
               <a:t>Второй уровень</a:t>
             </a:r>
           </a:p>
           <a:p>
             <a:pPr lvl="2"/>
             <a:r>
-              <a:rPr lang="ru-RU" smtClean="0"/>
+              <a:rPr lang="ru-RU"/>
               <a:t>Третий уровень</a:t>
             </a:r>
           </a:p>
           <a:p>
             <a:pPr lvl="3"/>
             <a:r>
-              <a:rPr lang="ru-RU" smtClean="0"/>
+              <a:rPr lang="ru-RU"/>
               <a:t>Четвертый уровень</a:t>
             </a:r>
           </a:p>
           <a:p>
             <a:pPr lvl="4"/>
             <a:r>
-              <a:rPr lang="ru-RU" smtClean="0"/>
+              <a:rPr lang="ru-RU"/>
               <a:t>Пятый уровень</a:t>
             </a:r>
-            <a:endParaRPr lang="ru-RU"/>
           </a:p>
         </p:txBody>
       </p:sp>
@@ -646,7 +653,7 @@
           <a:p>
             <a:fld id="{2FF1D808-6D6E-41EB-89EC-20A3B3FF1985}" type="datetimeFigureOut">
               <a:rPr lang="ru-RU" smtClean="0"/>
-              <a:t>12.04.2022</a:t>
+              <a:t>18.05.2022</a:t>
             </a:fld>
             <a:endParaRPr lang="ru-RU"/>
           </a:p>
@@ -740,10 +747,9 @@
           <a:lstStyle/>
           <a:p>
             <a:r>
-              <a:rPr lang="ru-RU" smtClean="0"/>
+              <a:rPr lang="ru-RU"/>
               <a:t>Образец заголовка</a:t>
             </a:r>
-            <a:endParaRPr lang="ru-RU"/>
           </a:p>
         </p:txBody>
       </p:sp>
@@ -764,38 +770,37 @@
           <a:p>
             <a:pPr lvl="0"/>
             <a:r>
-              <a:rPr lang="ru-RU" smtClean="0"/>
+              <a:rPr lang="ru-RU"/>
               <a:t>Образец текста</a:t>
             </a:r>
           </a:p>
           <a:p>
             <a:pPr lvl="1"/>
             <a:r>
-              <a:rPr lang="ru-RU" smtClean="0"/>
+              <a:rPr lang="ru-RU"/>
               <a:t>Второй уровень</a:t>
             </a:r>
           </a:p>
           <a:p>
             <a:pPr lvl="2"/>
             <a:r>
-              <a:rPr lang="ru-RU" smtClean="0"/>
+              <a:rPr lang="ru-RU"/>
               <a:t>Третий уровень</a:t>
             </a:r>
           </a:p>
           <a:p>
             <a:pPr lvl="3"/>
             <a:r>
-              <a:rPr lang="ru-RU" smtClean="0"/>
+              <a:rPr lang="ru-RU"/>
               <a:t>Четвертый уровень</a:t>
             </a:r>
           </a:p>
           <a:p>
             <a:pPr lvl="4"/>
             <a:r>
-              <a:rPr lang="ru-RU" smtClean="0"/>
+              <a:rPr lang="ru-RU"/>
               <a:t>Пятый уровень</a:t>
             </a:r>
-            <a:endParaRPr lang="ru-RU"/>
           </a:p>
         </p:txBody>
       </p:sp>
@@ -816,7 +821,7 @@
           <a:p>
             <a:fld id="{2FF1D808-6D6E-41EB-89EC-20A3B3FF1985}" type="datetimeFigureOut">
               <a:rPr lang="ru-RU" smtClean="0"/>
-              <a:t>12.04.2022</a:t>
+              <a:t>18.05.2022</a:t>
             </a:fld>
             <a:endParaRPr lang="ru-RU"/>
           </a:p>
@@ -919,10 +924,9 @@
           </a:lstStyle>
           <a:p>
             <a:r>
-              <a:rPr lang="ru-RU" smtClean="0"/>
+              <a:rPr lang="ru-RU"/>
               <a:t>Образец заголовка</a:t>
             </a:r>
-            <a:endParaRPr lang="ru-RU"/>
           </a:p>
         </p:txBody>
       </p:sp>
@@ -1039,7 +1043,7 @@
           <a:p>
             <a:pPr lvl="0"/>
             <a:r>
-              <a:rPr lang="ru-RU" smtClean="0"/>
+              <a:rPr lang="ru-RU"/>
               <a:t>Образец текста</a:t>
             </a:r>
           </a:p>
@@ -1062,7 +1066,7 @@
           <a:p>
             <a:fld id="{2FF1D808-6D6E-41EB-89EC-20A3B3FF1985}" type="datetimeFigureOut">
               <a:rPr lang="ru-RU" smtClean="0"/>
-              <a:t>12.04.2022</a:t>
+              <a:t>18.05.2022</a:t>
             </a:fld>
             <a:endParaRPr lang="ru-RU"/>
           </a:p>
@@ -1156,10 +1160,9 @@
           <a:lstStyle/>
           <a:p>
             <a:r>
-              <a:rPr lang="ru-RU" smtClean="0"/>
+              <a:rPr lang="ru-RU"/>
               <a:t>Образец заголовка</a:t>
             </a:r>
-            <a:endParaRPr lang="ru-RU"/>
           </a:p>
         </p:txBody>
       </p:sp>
@@ -1213,38 +1216,37 @@
           <a:p>
             <a:pPr lvl="0"/>
             <a:r>
-              <a:rPr lang="ru-RU" smtClean="0"/>
+              <a:rPr lang="ru-RU"/>
               <a:t>Образец текста</a:t>
             </a:r>
           </a:p>
           <a:p>
             <a:pPr lvl="1"/>
             <a:r>
-              <a:rPr lang="ru-RU" smtClean="0"/>
+              <a:rPr lang="ru-RU"/>
               <a:t>Второй уровень</a:t>
             </a:r>
           </a:p>
           <a:p>
             <a:pPr lvl="2"/>
             <a:r>
-              <a:rPr lang="ru-RU" smtClean="0"/>
+              <a:rPr lang="ru-RU"/>
               <a:t>Третий уровень</a:t>
             </a:r>
           </a:p>
           <a:p>
             <a:pPr lvl="3"/>
             <a:r>
-              <a:rPr lang="ru-RU" smtClean="0"/>
+              <a:rPr lang="ru-RU"/>
               <a:t>Четвертый уровень</a:t>
             </a:r>
           </a:p>
           <a:p>
             <a:pPr lvl="4"/>
             <a:r>
-              <a:rPr lang="ru-RU" smtClean="0"/>
+              <a:rPr lang="ru-RU"/>
               <a:t>Пятый уровень</a:t>
             </a:r>
-            <a:endParaRPr lang="ru-RU"/>
           </a:p>
         </p:txBody>
       </p:sp>
@@ -1298,38 +1300,37 @@
           <a:p>
             <a:pPr lvl="0"/>
             <a:r>
-              <a:rPr lang="ru-RU" smtClean="0"/>
+              <a:rPr lang="ru-RU"/>
               <a:t>Образец текста</a:t>
             </a:r>
           </a:p>
           <a:p>
             <a:pPr lvl="1"/>
             <a:r>
-              <a:rPr lang="ru-RU" smtClean="0"/>
+              <a:rPr lang="ru-RU"/>
               <a:t>Второй уровень</a:t>
             </a:r>
           </a:p>
           <a:p>
             <a:pPr lvl="2"/>
             <a:r>
-              <a:rPr lang="ru-RU" smtClean="0"/>
+              <a:rPr lang="ru-RU"/>
               <a:t>Третий уровень</a:t>
             </a:r>
           </a:p>
           <a:p>
             <a:pPr lvl="3"/>
             <a:r>
-              <a:rPr lang="ru-RU" smtClean="0"/>
+              <a:rPr lang="ru-RU"/>
               <a:t>Четвертый уровень</a:t>
             </a:r>
           </a:p>
           <a:p>
             <a:pPr lvl="4"/>
             <a:r>
-              <a:rPr lang="ru-RU" smtClean="0"/>
+              <a:rPr lang="ru-RU"/>
               <a:t>Пятый уровень</a:t>
             </a:r>
-            <a:endParaRPr lang="ru-RU"/>
           </a:p>
         </p:txBody>
       </p:sp>
@@ -1350,7 +1351,7 @@
           <a:p>
             <a:fld id="{2FF1D808-6D6E-41EB-89EC-20A3B3FF1985}" type="datetimeFigureOut">
               <a:rPr lang="ru-RU" smtClean="0"/>
-              <a:t>12.04.2022</a:t>
+              <a:t>18.05.2022</a:t>
             </a:fld>
             <a:endParaRPr lang="ru-RU"/>
           </a:p>
@@ -1448,10 +1449,9 @@
           </a:lstStyle>
           <a:p>
             <a:r>
-              <a:rPr lang="ru-RU" smtClean="0"/>
+              <a:rPr lang="ru-RU"/>
               <a:t>Образец заголовка</a:t>
             </a:r>
-            <a:endParaRPr lang="ru-RU"/>
           </a:p>
         </p:txBody>
       </p:sp>
@@ -1514,7 +1514,7 @@
           <a:p>
             <a:pPr lvl="0"/>
             <a:r>
-              <a:rPr lang="ru-RU" smtClean="0"/>
+              <a:rPr lang="ru-RU"/>
               <a:t>Образец текста</a:t>
             </a:r>
           </a:p>
@@ -1570,38 +1570,37 @@
           <a:p>
             <a:pPr lvl="0"/>
             <a:r>
-              <a:rPr lang="ru-RU" smtClean="0"/>
+              <a:rPr lang="ru-RU"/>
               <a:t>Образец текста</a:t>
             </a:r>
           </a:p>
           <a:p>
             <a:pPr lvl="1"/>
             <a:r>
-              <a:rPr lang="ru-RU" smtClean="0"/>
+              <a:rPr lang="ru-RU"/>
               <a:t>Второй уровень</a:t>
             </a:r>
           </a:p>
           <a:p>
             <a:pPr lvl="2"/>
             <a:r>
-              <a:rPr lang="ru-RU" smtClean="0"/>
+              <a:rPr lang="ru-RU"/>
               <a:t>Третий уровень</a:t>
             </a:r>
           </a:p>
           <a:p>
             <a:pPr lvl="3"/>
             <a:r>
-              <a:rPr lang="ru-RU" smtClean="0"/>
+              <a:rPr lang="ru-RU"/>
               <a:t>Четвертый уровень</a:t>
             </a:r>
           </a:p>
           <a:p>
             <a:pPr lvl="4"/>
             <a:r>
-              <a:rPr lang="ru-RU" smtClean="0"/>
+              <a:rPr lang="ru-RU"/>
               <a:t>Пятый уровень</a:t>
             </a:r>
-            <a:endParaRPr lang="ru-RU"/>
           </a:p>
         </p:txBody>
       </p:sp>
@@ -1664,7 +1663,7 @@
           <a:p>
             <a:pPr lvl="0"/>
             <a:r>
-              <a:rPr lang="ru-RU" smtClean="0"/>
+              <a:rPr lang="ru-RU"/>
               <a:t>Образец текста</a:t>
             </a:r>
           </a:p>
@@ -1720,38 +1719,37 @@
           <a:p>
             <a:pPr lvl="0"/>
             <a:r>
-              <a:rPr lang="ru-RU" smtClean="0"/>
+              <a:rPr lang="ru-RU"/>
               <a:t>Образец текста</a:t>
             </a:r>
           </a:p>
           <a:p>
             <a:pPr lvl="1"/>
             <a:r>
-              <a:rPr lang="ru-RU" smtClean="0"/>
+              <a:rPr lang="ru-RU"/>
               <a:t>Второй уровень</a:t>
             </a:r>
           </a:p>
           <a:p>
             <a:pPr lvl="2"/>
             <a:r>
-              <a:rPr lang="ru-RU" smtClean="0"/>
+              <a:rPr lang="ru-RU"/>
               <a:t>Третий уровень</a:t>
             </a:r>
           </a:p>
           <a:p>
             <a:pPr lvl="3"/>
             <a:r>
-              <a:rPr lang="ru-RU" smtClean="0"/>
+              <a:rPr lang="ru-RU"/>
               <a:t>Четвертый уровень</a:t>
             </a:r>
           </a:p>
           <a:p>
             <a:pPr lvl="4"/>
             <a:r>
-              <a:rPr lang="ru-RU" smtClean="0"/>
+              <a:rPr lang="ru-RU"/>
               <a:t>Пятый уровень</a:t>
             </a:r>
-            <a:endParaRPr lang="ru-RU"/>
           </a:p>
         </p:txBody>
       </p:sp>
@@ -1772,7 +1770,7 @@
           <a:p>
             <a:fld id="{2FF1D808-6D6E-41EB-89EC-20A3B3FF1985}" type="datetimeFigureOut">
               <a:rPr lang="ru-RU" smtClean="0"/>
-              <a:t>12.04.2022</a:t>
+              <a:t>18.05.2022</a:t>
             </a:fld>
             <a:endParaRPr lang="ru-RU"/>
           </a:p>
@@ -1866,10 +1864,9 @@
           <a:lstStyle/>
           <a:p>
             <a:r>
-              <a:rPr lang="ru-RU" smtClean="0"/>
+              <a:rPr lang="ru-RU"/>
               <a:t>Образец заголовка</a:t>
             </a:r>
-            <a:endParaRPr lang="ru-RU"/>
           </a:p>
         </p:txBody>
       </p:sp>
@@ -1890,7 +1887,7 @@
           <a:p>
             <a:fld id="{2FF1D808-6D6E-41EB-89EC-20A3B3FF1985}" type="datetimeFigureOut">
               <a:rPr lang="ru-RU" smtClean="0"/>
-              <a:t>12.04.2022</a:t>
+              <a:t>18.05.2022</a:t>
             </a:fld>
             <a:endParaRPr lang="ru-RU"/>
           </a:p>
@@ -1985,7 +1982,7 @@
           <a:p>
             <a:fld id="{2FF1D808-6D6E-41EB-89EC-20A3B3FF1985}" type="datetimeFigureOut">
               <a:rPr lang="ru-RU" smtClean="0"/>
-              <a:t>12.04.2022</a:t>
+              <a:t>18.05.2022</a:t>
             </a:fld>
             <a:endParaRPr lang="ru-RU"/>
           </a:p>
@@ -2088,10 +2085,9 @@
           </a:lstStyle>
           <a:p>
             <a:r>
-              <a:rPr lang="ru-RU" smtClean="0"/>
+              <a:rPr lang="ru-RU"/>
               <a:t>Образец заголовка</a:t>
             </a:r>
-            <a:endParaRPr lang="ru-RU"/>
           </a:p>
         </p:txBody>
       </p:sp>
@@ -2145,38 +2141,37 @@
           <a:p>
             <a:pPr lvl="0"/>
             <a:r>
-              <a:rPr lang="ru-RU" smtClean="0"/>
+              <a:rPr lang="ru-RU"/>
               <a:t>Образец текста</a:t>
             </a:r>
           </a:p>
           <a:p>
             <a:pPr lvl="1"/>
             <a:r>
-              <a:rPr lang="ru-RU" smtClean="0"/>
+              <a:rPr lang="ru-RU"/>
               <a:t>Второй уровень</a:t>
             </a:r>
           </a:p>
           <a:p>
             <a:pPr lvl="2"/>
             <a:r>
-              <a:rPr lang="ru-RU" smtClean="0"/>
+              <a:rPr lang="ru-RU"/>
               <a:t>Третий уровень</a:t>
             </a:r>
           </a:p>
           <a:p>
             <a:pPr lvl="3"/>
             <a:r>
-              <a:rPr lang="ru-RU" smtClean="0"/>
+              <a:rPr lang="ru-RU"/>
               <a:t>Четвертый уровень</a:t>
             </a:r>
           </a:p>
           <a:p>
             <a:pPr lvl="4"/>
             <a:r>
-              <a:rPr lang="ru-RU" smtClean="0"/>
+              <a:rPr lang="ru-RU"/>
               <a:t>Пятый уровень</a:t>
             </a:r>
-            <a:endParaRPr lang="ru-RU"/>
           </a:p>
         </p:txBody>
       </p:sp>
@@ -2239,7 +2234,7 @@
           <a:p>
             <a:pPr lvl="0"/>
             <a:r>
-              <a:rPr lang="ru-RU" smtClean="0"/>
+              <a:rPr lang="ru-RU"/>
               <a:t>Образец текста</a:t>
             </a:r>
           </a:p>
@@ -2262,7 +2257,7 @@
           <a:p>
             <a:fld id="{2FF1D808-6D6E-41EB-89EC-20A3B3FF1985}" type="datetimeFigureOut">
               <a:rPr lang="ru-RU" smtClean="0"/>
-              <a:t>12.04.2022</a:t>
+              <a:t>18.05.2022</a:t>
             </a:fld>
             <a:endParaRPr lang="ru-RU"/>
           </a:p>
@@ -2365,10 +2360,9 @@
           </a:lstStyle>
           <a:p>
             <a:r>
-              <a:rPr lang="ru-RU" smtClean="0"/>
+              <a:rPr lang="ru-RU"/>
               <a:t>Образец заголовка</a:t>
             </a:r>
-            <a:endParaRPr lang="ru-RU"/>
           </a:p>
         </p:txBody>
       </p:sp>
@@ -2492,7 +2486,7 @@
           <a:p>
             <a:pPr lvl="0"/>
             <a:r>
-              <a:rPr lang="ru-RU" smtClean="0"/>
+              <a:rPr lang="ru-RU"/>
               <a:t>Образец текста</a:t>
             </a:r>
           </a:p>
@@ -2515,7 +2509,7 @@
           <a:p>
             <a:fld id="{2FF1D808-6D6E-41EB-89EC-20A3B3FF1985}" type="datetimeFigureOut">
               <a:rPr lang="ru-RU" smtClean="0"/>
-              <a:t>12.04.2022</a:t>
+              <a:t>18.05.2022</a:t>
             </a:fld>
             <a:endParaRPr lang="ru-RU"/>
           </a:p>
@@ -2624,10 +2618,9 @@
           <a:lstStyle/>
           <a:p>
             <a:r>
-              <a:rPr lang="ru-RU" smtClean="0"/>
+              <a:rPr lang="ru-RU"/>
               <a:t>Образец заголовка</a:t>
             </a:r>
-            <a:endParaRPr lang="ru-RU"/>
           </a:p>
         </p:txBody>
       </p:sp>
@@ -2658,38 +2651,37 @@
           <a:p>
             <a:pPr lvl="0"/>
             <a:r>
-              <a:rPr lang="ru-RU" smtClean="0"/>
+              <a:rPr lang="ru-RU"/>
               <a:t>Образец текста</a:t>
             </a:r>
           </a:p>
           <a:p>
             <a:pPr lvl="1"/>
             <a:r>
-              <a:rPr lang="ru-RU" smtClean="0"/>
+              <a:rPr lang="ru-RU"/>
               <a:t>Второй уровень</a:t>
             </a:r>
           </a:p>
           <a:p>
             <a:pPr lvl="2"/>
             <a:r>
-              <a:rPr lang="ru-RU" smtClean="0"/>
+              <a:rPr lang="ru-RU"/>
               <a:t>Третий уровень</a:t>
             </a:r>
           </a:p>
           <a:p>
             <a:pPr lvl="3"/>
             <a:r>
-              <a:rPr lang="ru-RU" smtClean="0"/>
+              <a:rPr lang="ru-RU"/>
               <a:t>Четвертый уровень</a:t>
             </a:r>
           </a:p>
           <a:p>
             <a:pPr lvl="4"/>
             <a:r>
-              <a:rPr lang="ru-RU" smtClean="0"/>
+              <a:rPr lang="ru-RU"/>
               <a:t>Пятый уровень</a:t>
             </a:r>
-            <a:endParaRPr lang="ru-RU"/>
           </a:p>
         </p:txBody>
       </p:sp>
@@ -2728,7 +2720,7 @@
           <a:p>
             <a:fld id="{2FF1D808-6D6E-41EB-89EC-20A3B3FF1985}" type="datetimeFigureOut">
               <a:rPr lang="ru-RU" smtClean="0"/>
-              <a:t>12.04.2022</a:t>
+              <a:t>18.05.2022</a:t>
             </a:fld>
             <a:endParaRPr lang="ru-RU"/>
           </a:p>
@@ -3124,10 +3116,9 @@
           <a:lstStyle/>
           <a:p>
             <a:r>
-              <a:rPr lang="ru-RU" dirty="0" smtClean="0"/>
+              <a:rPr lang="ru-RU" dirty="0"/>
               <a:t>Парадокс Симпсона</a:t>
             </a:r>
-            <a:endParaRPr lang="ru-RU" dirty="0"/>
           </a:p>
         </p:txBody>
       </p:sp>
@@ -3155,18 +3146,17 @@
           <a:p>
             <a:pPr algn="r"/>
             <a:r>
-              <a:rPr lang="ru-RU" sz="2000" dirty="0" smtClean="0"/>
+              <a:rPr lang="ru-RU" sz="2000" dirty="0"/>
               <a:t>Доклад студента группы 131-ПИо </a:t>
             </a:r>
             <a:r>
-              <a:rPr lang="ru-RU" sz="2000" dirty="0" err="1" smtClean="0"/>
+              <a:rPr lang="ru-RU" sz="2000" dirty="0" err="1"/>
               <a:t>Пестерева</a:t>
             </a:r>
             <a:r>
-              <a:rPr lang="ru-RU" sz="2000" dirty="0" smtClean="0"/>
+              <a:rPr lang="ru-RU" sz="2000" dirty="0"/>
               <a:t> В.О.</a:t>
             </a:r>
-            <a:endParaRPr lang="ru-RU" sz="2000" dirty="0"/>
           </a:p>
         </p:txBody>
       </p:sp>
@@ -3251,15 +3241,20 @@
             <p:ph type="title"/>
           </p:nvPr>
         </p:nvSpPr>
-        <p:spPr/>
+        <p:spPr>
+          <a:xfrm>
+            <a:off x="457200" y="0"/>
+            <a:ext cx="8229600" cy="731837"/>
+          </a:xfrm>
+        </p:spPr>
         <p:txBody>
           <a:bodyPr>
-            <a:normAutofit/>
+            <a:normAutofit fontScale="90000"/>
           </a:bodyPr>
           <a:lstStyle/>
           <a:p>
             <a:r>
-              <a:rPr lang="ru-RU" b="1" dirty="0" smtClean="0"/>
+              <a:rPr lang="ru-RU" b="1" dirty="0"/>
               <a:t>Парадокс Симпсона</a:t>
             </a:r>
             <a:endParaRPr lang="ru-RU" dirty="0"/>
@@ -3276,22 +3271,58 @@
             <p:ph idx="1"/>
           </p:nvPr>
         </p:nvSpPr>
-        <p:spPr/>
-        <p:txBody>
-          <a:bodyPr/>
+        <p:spPr>
+          <a:xfrm>
+            <a:off x="0" y="731838"/>
+            <a:ext cx="9144000" cy="2121098"/>
+          </a:xfrm>
+        </p:spPr>
+        <p:txBody>
+          <a:bodyPr>
+            <a:normAutofit fontScale="92500" lnSpcReduction="20000"/>
+          </a:bodyPr>
           <a:lstStyle/>
           <a:p>
             <a:pPr marL="0" indent="0">
               <a:buNone/>
             </a:pPr>
             <a:r>
-              <a:rPr lang="ru-RU" dirty="0" smtClean="0"/>
-              <a:t>- эффект, явление в статистике, когда при наличии двух групп данных, в каждой из которых наблюдается одинаково направленная зависимость, при объединении этих групп направление зависимости меняется на противоположное</a:t>
-            </a:r>
-            <a:endParaRPr lang="ru-RU" dirty="0"/>
-          </a:p>
-        </p:txBody>
-      </p:sp>
+              <a:rPr lang="ru-RU" dirty="0"/>
+              <a:t>—явление в статистике, когда в каждой из нескольких групп данных наблюдается зависимость, но при объединении этих групп зависимость исчезает или становится противоположной (например, на графике может поменяться линия тренда)</a:t>
+            </a:r>
+          </a:p>
+        </p:txBody>
+      </p:sp>
+      <p:pic>
+        <p:nvPicPr>
+          <p:cNvPr id="9" name="Рисунок 8">
+            <a:extLst>
+              <a:ext uri="{FF2B5EF4-FFF2-40B4-BE49-F238E27FC236}">
+                <a16:creationId xmlns:a16="http://schemas.microsoft.com/office/drawing/2014/main" id="{4E07121E-FF65-4DB3-8572-BE7633E4CF3A}"/>
+              </a:ext>
+            </a:extLst>
+          </p:cNvPr>
+          <p:cNvPicPr>
+            <a:picLocks noChangeAspect="1"/>
+          </p:cNvPicPr>
+          <p:nvPr/>
+        </p:nvPicPr>
+        <p:blipFill>
+          <a:blip r:embed="rId2"/>
+          <a:stretch>
+            <a:fillRect/>
+          </a:stretch>
+        </p:blipFill>
+        <p:spPr>
+          <a:xfrm>
+            <a:off x="1363207" y="2852936"/>
+            <a:ext cx="6417586" cy="4005064"/>
+          </a:xfrm>
+          <a:prstGeom prst="rect">
+            <a:avLst/>
+          </a:prstGeom>
+        </p:spPr>
+      </p:pic>
     </p:spTree>
     <p:extLst>
       <p:ext uri="{BB962C8B-B14F-4D97-AF65-F5344CB8AC3E}">
@@ -3324,7 +3355,13 @@
       </p:grpSpPr>
       <p:sp>
         <p:nvSpPr>
-          <p:cNvPr id="2" name="Заголовок 1"/>
+          <p:cNvPr id="2" name="Заголовок 1">
+            <a:extLst>
+              <a:ext uri="{FF2B5EF4-FFF2-40B4-BE49-F238E27FC236}">
+                <a16:creationId xmlns:a16="http://schemas.microsoft.com/office/drawing/2014/main" id="{69785819-64AF-4E48-9FA9-805B7C8E9930}"/>
+              </a:ext>
+            </a:extLst>
+          </p:cNvPr>
           <p:cNvSpPr>
             <a:spLocks noGrp="1"/>
           </p:cNvSpPr>
@@ -3332,115 +3369,168 @@
             <p:ph type="title"/>
           </p:nvPr>
         </p:nvSpPr>
-        <p:spPr/>
+        <p:spPr>
+          <a:xfrm>
+            <a:off x="457200" y="0"/>
+            <a:ext cx="8229600" cy="620688"/>
+          </a:xfrm>
+        </p:spPr>
         <p:txBody>
           <a:bodyPr>
-            <a:normAutofit/>
+            <a:normAutofit fontScale="90000"/>
           </a:bodyPr>
           <a:lstStyle/>
           <a:p>
             <a:r>
-              <a:rPr lang="ru-RU" b="1" dirty="0" smtClean="0"/>
-              <a:t>Пример М</a:t>
-            </a:r>
-            <a:r>
-              <a:rPr lang="ru-RU" b="1" dirty="0"/>
-              <a:t>. </a:t>
-            </a:r>
-            <a:r>
-              <a:rPr lang="ru-RU" b="1" dirty="0" err="1"/>
-              <a:t>Гарднера</a:t>
-            </a:r>
-            <a:r>
-              <a:rPr lang="ru-RU" b="1" dirty="0"/>
-              <a:t> с </a:t>
-            </a:r>
-            <a:r>
-              <a:rPr lang="ru-RU" b="1" dirty="0" smtClean="0"/>
-              <a:t>камнями</a:t>
-            </a:r>
-            <a:endParaRPr lang="ru-RU" dirty="0"/>
-          </a:p>
-        </p:txBody>
-      </p:sp>
-      <p:sp>
-        <p:nvSpPr>
-          <p:cNvPr id="3" name="Объект 2"/>
-          <p:cNvSpPr>
-            <a:spLocks noGrp="1"/>
-          </p:cNvSpPr>
-          <p:nvPr>
-            <p:ph idx="1"/>
-          </p:nvPr>
-        </p:nvSpPr>
-        <p:spPr/>
-        <p:txBody>
-          <a:bodyPr>
-            <a:normAutofit fontScale="92500" lnSpcReduction="20000"/>
+              <a:rPr lang="ru-RU" dirty="0"/>
+              <a:t>Пример 1: студенты</a:t>
+            </a:r>
+            <a:endParaRPr lang="en-US" dirty="0"/>
+          </a:p>
+        </p:txBody>
+      </p:sp>
+      <p:pic>
+        <p:nvPicPr>
+          <p:cNvPr id="4" name="Рисунок 3">
+            <a:extLst>
+              <a:ext uri="{FF2B5EF4-FFF2-40B4-BE49-F238E27FC236}">
+                <a16:creationId xmlns:a16="http://schemas.microsoft.com/office/drawing/2014/main" id="{3433591E-09D9-4170-ABB8-7A650CFC9970}"/>
+              </a:ext>
+            </a:extLst>
+          </p:cNvPr>
+          <p:cNvPicPr>
+            <a:picLocks noChangeAspect="1"/>
+          </p:cNvPicPr>
+          <p:nvPr/>
+        </p:nvPicPr>
+        <p:blipFill>
+          <a:blip r:embed="rId2"/>
+          <a:stretch>
+            <a:fillRect/>
+          </a:stretch>
+        </p:blipFill>
+        <p:spPr>
+          <a:xfrm>
+            <a:off x="118409" y="888184"/>
+            <a:ext cx="8907180" cy="1445048"/>
+          </a:xfrm>
+          <a:prstGeom prst="rect">
+            <a:avLst/>
+          </a:prstGeom>
+        </p:spPr>
+      </p:pic>
+      <p:pic>
+        <p:nvPicPr>
+          <p:cNvPr id="5" name="Рисунок 4">
+            <a:extLst>
+              <a:ext uri="{FF2B5EF4-FFF2-40B4-BE49-F238E27FC236}">
+                <a16:creationId xmlns:a16="http://schemas.microsoft.com/office/drawing/2014/main" id="{3DE18AE8-C55B-4619-83E3-86DC11FB3479}"/>
+              </a:ext>
+            </a:extLst>
+          </p:cNvPr>
+          <p:cNvPicPr>
+            <a:picLocks noChangeAspect="1"/>
+          </p:cNvPicPr>
+          <p:nvPr/>
+        </p:nvPicPr>
+        <p:blipFill>
+          <a:blip r:embed="rId3"/>
+          <a:stretch>
+            <a:fillRect/>
+          </a:stretch>
+        </p:blipFill>
+        <p:spPr>
+          <a:xfrm>
+            <a:off x="236495" y="3256562"/>
+            <a:ext cx="8671009" cy="2952328"/>
+          </a:xfrm>
+          <a:prstGeom prst="rect">
+            <a:avLst/>
+          </a:prstGeom>
+        </p:spPr>
+      </p:pic>
+      <p:sp>
+        <p:nvSpPr>
+          <p:cNvPr id="7" name="TextBox 6">
+            <a:extLst>
+              <a:ext uri="{FF2B5EF4-FFF2-40B4-BE49-F238E27FC236}">
+                <a16:creationId xmlns:a16="http://schemas.microsoft.com/office/drawing/2014/main" id="{69C3CE0E-2944-4B50-8FF2-4241744DA764}"/>
+              </a:ext>
+            </a:extLst>
+          </p:cNvPr>
+          <p:cNvSpPr txBox="1"/>
+          <p:nvPr/>
+        </p:nvSpPr>
+        <p:spPr>
+          <a:xfrm>
+            <a:off x="236495" y="2333232"/>
+            <a:ext cx="8583977" cy="923330"/>
+          </a:xfrm>
+          <a:prstGeom prst="rect">
+            <a:avLst/>
+          </a:prstGeom>
+          <a:noFill/>
+        </p:spPr>
+        <p:txBody>
+          <a:bodyPr wrap="square" rtlCol="0">
+            <a:spAutoFit/>
           </a:bodyPr>
           <a:lstStyle/>
           <a:p>
-            <a:pPr marL="0" indent="0">
-              <a:buNone/>
-            </a:pPr>
             <a:r>
               <a:rPr lang="ru-RU" dirty="0"/>
-              <a:t>Пусть мы имеем четыре набора камней</a:t>
-            </a:r>
-            <a:r>
-              <a:rPr lang="ru-RU" dirty="0" smtClean="0"/>
-              <a:t>.</a:t>
-            </a:r>
-          </a:p>
-          <a:p>
-            <a:pPr marL="0" indent="0">
-              <a:buNone/>
-            </a:pPr>
-            <a:r>
-              <a:rPr lang="ru-RU" dirty="0" smtClean="0"/>
-              <a:t>Вероятность </a:t>
-            </a:r>
+              <a:t>Абсолютное количество мужчин было больше на факультете с более высоким процентом принятых следовательно, при объединении данные, получится, что в целом процент поступления мужчин выше.</a:t>
+            </a:r>
+            <a:endParaRPr lang="en-US" dirty="0"/>
+          </a:p>
+        </p:txBody>
+      </p:sp>
+      <p:sp>
+        <p:nvSpPr>
+          <p:cNvPr id="8" name="TextBox 7">
+            <a:extLst>
+              <a:ext uri="{FF2B5EF4-FFF2-40B4-BE49-F238E27FC236}">
+                <a16:creationId xmlns:a16="http://schemas.microsoft.com/office/drawing/2014/main" id="{ED4A99D1-3ABC-4E67-BFE9-5464439A6995}"/>
+              </a:ext>
+            </a:extLst>
+          </p:cNvPr>
+          <p:cNvSpPr txBox="1"/>
+          <p:nvPr/>
+        </p:nvSpPr>
+        <p:spPr>
+          <a:xfrm>
+            <a:off x="118409" y="518852"/>
+            <a:ext cx="8789095" cy="369332"/>
+          </a:xfrm>
+          <a:prstGeom prst="rect">
+            <a:avLst/>
+          </a:prstGeom>
+          <a:noFill/>
+        </p:spPr>
+        <p:txBody>
+          <a:bodyPr wrap="square" rtlCol="0">
+            <a:spAutoFit/>
+          </a:bodyPr>
+          <a:lstStyle/>
+          <a:p>
             <a:r>
               <a:rPr lang="ru-RU" dirty="0"/>
-              <a:t>вытащить чёрный камень набора № 1 выше, чем из набора № 2. В свою очередь, вероятность вытащить чёрный камень из набора № 3 больше, чем из набора № </a:t>
-            </a:r>
-            <a:r>
-              <a:rPr lang="ru-RU" dirty="0" smtClean="0"/>
-              <a:t>4.</a:t>
-            </a:r>
-          </a:p>
-          <a:p>
-            <a:pPr marL="0" indent="0">
-              <a:buNone/>
-            </a:pPr>
-            <a:r>
-              <a:rPr lang="ru-RU" dirty="0" smtClean="0"/>
-              <a:t>Объединим </a:t>
-            </a:r>
-            <a:r>
-              <a:rPr lang="ru-RU" dirty="0"/>
-              <a:t>набор № 1 с набором № 3 (получим набор I), а набор № 2 — с набором № 4 (набор II). Интуитивно можно ожидать, что вероятность вытащить чёрный камень из набора I будет выше, чем из набора II. Однако, в общем случае такое утверждение неверно. </a:t>
-            </a:r>
+              <a:t>Задача: объяснить разницу в процентах принятых студентов разных полов</a:t>
+            </a:r>
+            <a:endParaRPr lang="en-US" dirty="0"/>
           </a:p>
         </p:txBody>
       </p:sp>
     </p:spTree>
     <p:extLst>
       <p:ext uri="{BB962C8B-B14F-4D97-AF65-F5344CB8AC3E}">
-        <p14:creationId xmlns:p14="http://schemas.microsoft.com/office/powerpoint/2010/main" val="3004494931"/>
+        <p14:creationId xmlns:p14="http://schemas.microsoft.com/office/powerpoint/2010/main" val="3303569806"/>
       </p:ext>
     </p:extLst>
   </p:cSld>
   <p:clrMapOvr>
     <a:masterClrMapping/>
   </p:clrMapOvr>
-  <p:timing>
-    <p:tnLst>
-      <p:par>
-        <p:cTn id="1" dur="indefinite" restart="never" nodeType="tmRoot"/>
-      </p:par>
-    </p:tnLst>
-  </p:timing>
 </p:sld>
 </file>
 
@@ -3463,48 +3553,13 @@
       </p:grpSpPr>
       <p:sp>
         <p:nvSpPr>
-          <p:cNvPr id="2" name="Заголовок 1"/>
-          <p:cNvSpPr>
-            <a:spLocks noGrp="1"/>
-          </p:cNvSpPr>
-          <p:nvPr>
-            <p:ph type="title"/>
-          </p:nvPr>
-        </p:nvSpPr>
-        <p:spPr/>
-        <p:txBody>
-          <a:bodyPr>
-            <a:normAutofit fontScale="90000"/>
-          </a:bodyPr>
-          <a:lstStyle/>
-          <a:p>
-            <a:r>
-              <a:rPr lang="ru-RU" b="1" dirty="0" smtClean="0"/>
-              <a:t>Пример М</a:t>
-            </a:r>
-            <a:r>
-              <a:rPr lang="ru-RU" b="1" dirty="0"/>
-              <a:t>. </a:t>
-            </a:r>
-            <a:r>
-              <a:rPr lang="ru-RU" b="1" dirty="0" err="1"/>
-              <a:t>Гарднера</a:t>
-            </a:r>
-            <a:r>
-              <a:rPr lang="ru-RU" b="1" dirty="0"/>
-              <a:t> с </a:t>
-            </a:r>
-            <a:r>
-              <a:rPr lang="ru-RU" b="1" dirty="0" smtClean="0"/>
-              <a:t>камнями (доказательство)</a:t>
-            </a:r>
-            <a:endParaRPr lang="ru-RU" dirty="0"/>
-          </a:p>
-        </p:txBody>
-      </p:sp>
-      <p:sp>
-        <p:nvSpPr>
-          <p:cNvPr id="3" name="Объект 2"/>
+          <p:cNvPr id="3" name="Объект 2">
+            <a:extLst>
+              <a:ext uri="{FF2B5EF4-FFF2-40B4-BE49-F238E27FC236}">
+                <a16:creationId xmlns:a16="http://schemas.microsoft.com/office/drawing/2014/main" id="{D5DF41E8-C751-431E-8698-F26ED3C77E64}"/>
+              </a:ext>
+            </a:extLst>
+          </p:cNvPr>
           <p:cNvSpPr>
             <a:spLocks noGrp="1"/>
           </p:cNvSpPr>
@@ -3512,7 +3567,12 @@
             <p:ph idx="1"/>
           </p:nvPr>
         </p:nvSpPr>
-        <p:spPr/>
+        <p:spPr>
+          <a:xfrm>
+            <a:off x="236495" y="3876096"/>
+            <a:ext cx="8583976" cy="1844824"/>
+          </a:xfrm>
+        </p:spPr>
         <p:txBody>
           <a:bodyPr>
             <a:normAutofit/>
@@ -3524,230 +3584,88 @@
             </a:pPr>
             <a:r>
               <a:rPr lang="ru-RU" dirty="0"/>
-              <a:t>Пусть </a:t>
-            </a:r>
-            <a:r>
-              <a:rPr lang="ru-RU" dirty="0" smtClean="0"/>
-              <a:t>        — </a:t>
-            </a:r>
-            <a:r>
-              <a:rPr lang="ru-RU" dirty="0"/>
-              <a:t>число чёрных камней в </a:t>
-            </a:r>
-            <a:r>
-              <a:rPr lang="en-US" dirty="0" err="1"/>
-              <a:t>i</a:t>
-            </a:r>
-            <a:r>
-              <a:rPr lang="ru-RU" dirty="0"/>
-              <a:t>-ом наборе (выборке</a:t>
-            </a:r>
-            <a:r>
-              <a:rPr lang="ru-RU" dirty="0" smtClean="0"/>
-              <a:t>),</a:t>
-            </a:r>
-          </a:p>
-          <a:p>
-            <a:pPr marL="0" indent="0">
-              <a:buNone/>
-            </a:pPr>
-            <a:r>
-              <a:rPr lang="ru-RU" dirty="0" smtClean="0"/>
-              <a:t>          — </a:t>
-            </a:r>
-            <a:r>
-              <a:rPr lang="ru-RU" dirty="0"/>
-              <a:t>общее число камней в </a:t>
-            </a:r>
-            <a:r>
-              <a:rPr lang="en-US" dirty="0" err="1"/>
-              <a:t>i</a:t>
-            </a:r>
-            <a:r>
-              <a:rPr lang="ru-RU" dirty="0"/>
-              <a:t>-ом наборе при </a:t>
-            </a:r>
-            <a:r>
-              <a:rPr lang="en-US" dirty="0" err="1"/>
-              <a:t>i</a:t>
-            </a:r>
-            <a:r>
-              <a:rPr lang="en-US" dirty="0"/>
-              <a:t> </a:t>
-            </a:r>
-            <a:r>
-              <a:rPr lang="ru-RU" dirty="0"/>
-              <a:t>= 1,2,3,4. По условию: </a:t>
-            </a:r>
-            <a:endParaRPr lang="ru-RU" dirty="0" smtClean="0"/>
-          </a:p>
-          <a:p>
-            <a:pPr marL="0" indent="0">
-              <a:buNone/>
-            </a:pPr>
-            <a:endParaRPr lang="ru-RU" dirty="0"/>
-          </a:p>
-          <a:p>
-            <a:pPr marL="0" indent="0">
-              <a:buNone/>
-            </a:pPr>
-            <a:r>
-              <a:rPr lang="ru-RU" dirty="0"/>
-              <a:t>Вероятность вытащить чёрный камень из наборов I и II, соответственно: </a:t>
-            </a:r>
-            <a:endParaRPr lang="ru-RU" dirty="0" smtClean="0"/>
+              <a:t>Причина такой разницы - женщины подавали заявки на направления с более жестким конкурсом</a:t>
+            </a:r>
+            <a:endParaRPr lang="en-US" dirty="0"/>
           </a:p>
         </p:txBody>
       </p:sp>
       <p:pic>
         <p:nvPicPr>
-          <p:cNvPr id="4" name="Рисунок 3" descr="{\displaystyle n_{i}}"/>
-          <p:cNvPicPr/>
+          <p:cNvPr id="4" name="Рисунок 3">
+            <a:extLst>
+              <a:ext uri="{FF2B5EF4-FFF2-40B4-BE49-F238E27FC236}">
+                <a16:creationId xmlns:a16="http://schemas.microsoft.com/office/drawing/2014/main" id="{CB063794-F802-4B73-9D5A-1496F55B1344}"/>
+              </a:ext>
+            </a:extLst>
+          </p:cNvPr>
+          <p:cNvPicPr>
+            <a:picLocks noChangeAspect="1"/>
+          </p:cNvPicPr>
           <p:nvPr/>
         </p:nvPicPr>
         <p:blipFill>
-          <a:blip r:embed="rId2">
-            <a:extLst>
-              <a:ext uri="{28A0092B-C50C-407E-A947-70E740481C1C}">
-                <a14:useLocalDpi xmlns:a14="http://schemas.microsoft.com/office/drawing/2010/main" val="0"/>
-              </a:ext>
-            </a:extLst>
-          </a:blip>
-          <a:srcRect/>
+          <a:blip r:embed="rId2"/>
           <a:stretch>
             <a:fillRect/>
           </a:stretch>
         </p:blipFill>
-        <p:spPr bwMode="auto">
+        <p:spPr>
           <a:xfrm>
-            <a:off x="1678128" y="1628800"/>
-            <a:ext cx="576064" cy="517137"/>
+            <a:off x="236495" y="764704"/>
+            <a:ext cx="8671009" cy="2952328"/>
           </a:xfrm>
           <a:prstGeom prst="rect">
             <a:avLst/>
           </a:prstGeom>
-          <a:noFill/>
-          <a:ln>
-            <a:noFill/>
-          </a:ln>
         </p:spPr>
       </p:pic>
-      <p:pic>
-        <p:nvPicPr>
-          <p:cNvPr id="5" name="Рисунок 4" descr="{\displaystyle m_{i}}"/>
-          <p:cNvPicPr/>
-          <p:nvPr/>
-        </p:nvPicPr>
-        <p:blipFill>
-          <a:blip r:embed="rId3">
+      <p:sp>
+        <p:nvSpPr>
+          <p:cNvPr id="6" name="Заголовок 1">
             <a:extLst>
-              <a:ext uri="{28A0092B-C50C-407E-A947-70E740481C1C}">
-                <a14:useLocalDpi xmlns:a14="http://schemas.microsoft.com/office/drawing/2010/main" val="0"/>
+              <a:ext uri="{FF2B5EF4-FFF2-40B4-BE49-F238E27FC236}">
+                <a16:creationId xmlns:a16="http://schemas.microsoft.com/office/drawing/2014/main" id="{37D48D39-2E62-4D62-AB47-EC3B1640346C}"/>
               </a:ext>
             </a:extLst>
-          </a:blip>
-          <a:srcRect/>
-          <a:stretch>
-            <a:fillRect/>
-          </a:stretch>
-        </p:blipFill>
-        <p:spPr bwMode="auto">
+          </p:cNvPr>
+          <p:cNvSpPr>
+            <a:spLocks noGrp="1"/>
+          </p:cNvSpPr>
+          <p:nvPr>
+            <p:ph type="title"/>
+          </p:nvPr>
+        </p:nvSpPr>
+        <p:spPr>
           <a:xfrm>
-            <a:off x="611560" y="2758493"/>
-            <a:ext cx="648072" cy="470148"/>
+            <a:off x="457200" y="0"/>
+            <a:ext cx="8229600" cy="620688"/>
           </a:xfrm>
-          <a:prstGeom prst="rect">
-            <a:avLst/>
-          </a:prstGeom>
-          <a:noFill/>
-          <a:ln>
-            <a:noFill/>
-          </a:ln>
         </p:spPr>
-      </p:pic>
-      <p:pic>
-        <p:nvPicPr>
-          <p:cNvPr id="6" name="Рисунок 5" descr="{\displaystyle {\frac {n_{1}}{m_{1}}}&gt;{\frac {n_{2}}{m_{3}}},{\frac {n_{3}}{m_{3}}}&gt;{\frac {n_{4}}{m_{4}}}.}"/>
-          <p:cNvPicPr/>
-          <p:nvPr/>
-        </p:nvPicPr>
-        <p:blipFill>
-          <a:blip r:embed="rId4">
-            <a:extLst>
-              <a:ext uri="{28A0092B-C50C-407E-A947-70E740481C1C}">
-                <a14:useLocalDpi xmlns:a14="http://schemas.microsoft.com/office/drawing/2010/main" val="0"/>
-              </a:ext>
-            </a:extLst>
-          </a:blip>
-          <a:srcRect/>
-          <a:stretch>
-            <a:fillRect/>
-          </a:stretch>
-        </p:blipFill>
-        <p:spPr bwMode="auto">
-          <a:xfrm>
-            <a:off x="583020" y="3789040"/>
-            <a:ext cx="2764844" cy="648072"/>
-          </a:xfrm>
-          <a:prstGeom prst="rect">
-            <a:avLst/>
-          </a:prstGeom>
-          <a:noFill/>
-          <a:ln>
-            <a:noFill/>
-          </a:ln>
-        </p:spPr>
-      </p:pic>
-      <p:pic>
-        <p:nvPicPr>
-          <p:cNvPr id="7" name="Рисунок 6" descr="{\displaystyle {\frac {n_{1}+n_{3}}{m_{1}+m_{3}}},{\frac {n_{2}+n_{4}}{m_{2}+m_{4}}}.}"/>
-          <p:cNvPicPr/>
-          <p:nvPr/>
-        </p:nvPicPr>
-        <p:blipFill>
-          <a:blip r:embed="rId5">
-            <a:extLst>
-              <a:ext uri="{28A0092B-C50C-407E-A947-70E740481C1C}">
-                <a14:useLocalDpi xmlns:a14="http://schemas.microsoft.com/office/drawing/2010/main" val="0"/>
-              </a:ext>
-            </a:extLst>
-          </a:blip>
-          <a:srcRect/>
-          <a:stretch>
-            <a:fillRect/>
-          </a:stretch>
-        </p:blipFill>
-        <p:spPr bwMode="auto">
-          <a:xfrm>
-            <a:off x="611560" y="5445224"/>
-            <a:ext cx="2448272" cy="720080"/>
-          </a:xfrm>
-          <a:prstGeom prst="rect">
-            <a:avLst/>
-          </a:prstGeom>
-          <a:noFill/>
-          <a:ln>
-            <a:noFill/>
-          </a:ln>
-        </p:spPr>
-      </p:pic>
+        <p:txBody>
+          <a:bodyPr>
+            <a:normAutofit fontScale="90000"/>
+          </a:bodyPr>
+          <a:lstStyle/>
+          <a:p>
+            <a:r>
+              <a:rPr lang="ru-RU" dirty="0"/>
+              <a:t>Пример 1: студенты</a:t>
+            </a:r>
+            <a:endParaRPr lang="en-US" dirty="0"/>
+          </a:p>
+        </p:txBody>
+      </p:sp>
     </p:spTree>
     <p:extLst>
       <p:ext uri="{BB962C8B-B14F-4D97-AF65-F5344CB8AC3E}">
-        <p14:creationId xmlns:p14="http://schemas.microsoft.com/office/powerpoint/2010/main" val="3708083487"/>
+        <p14:creationId xmlns:p14="http://schemas.microsoft.com/office/powerpoint/2010/main" val="3038652901"/>
       </p:ext>
     </p:extLst>
   </p:cSld>
   <p:clrMapOvr>
     <a:masterClrMapping/>
   </p:clrMapOvr>
-  <p:timing>
-    <p:tnLst>
-      <p:par>
-        <p:cTn id="1" dur="indefinite" restart="never" nodeType="tmRoot"/>
-      </p:par>
-    </p:tnLst>
-  </p:timing>
 </p:sld>
 </file>
 
@@ -3770,7 +3688,13 @@
       </p:grpSpPr>
       <p:sp>
         <p:nvSpPr>
-          <p:cNvPr id="2" name="Заголовок 1"/>
+          <p:cNvPr id="2" name="Заголовок 1">
+            <a:extLst>
+              <a:ext uri="{FF2B5EF4-FFF2-40B4-BE49-F238E27FC236}">
+                <a16:creationId xmlns:a16="http://schemas.microsoft.com/office/drawing/2014/main" id="{08850D29-FD33-41E8-8076-2EBE7AC1635A}"/>
+              </a:ext>
+            </a:extLst>
+          </p:cNvPr>
           <p:cNvSpPr>
             <a:spLocks noGrp="1"/>
           </p:cNvSpPr>
@@ -3778,7 +3702,12 @@
             <p:ph type="title"/>
           </p:nvPr>
         </p:nvSpPr>
-        <p:spPr/>
+        <p:spPr>
+          <a:xfrm>
+            <a:off x="457200" y="0"/>
+            <a:ext cx="8229600" cy="1412776"/>
+          </a:xfrm>
+        </p:spPr>
         <p:txBody>
           <a:bodyPr>
             <a:normAutofit fontScale="90000"/>
@@ -3786,211 +3715,92 @@
           <a:lstStyle/>
           <a:p>
             <a:r>
-              <a:rPr lang="ru-RU" b="1" dirty="0" smtClean="0"/>
-              <a:t>Пример М</a:t>
-            </a:r>
-            <a:r>
-              <a:rPr lang="ru-RU" b="1" dirty="0"/>
-              <a:t>. </a:t>
-            </a:r>
-            <a:r>
-              <a:rPr lang="ru-RU" b="1" dirty="0" err="1"/>
-              <a:t>Гарднера</a:t>
-            </a:r>
-            <a:r>
-              <a:rPr lang="ru-RU" b="1" dirty="0"/>
-              <a:t> с </a:t>
-            </a:r>
-            <a:r>
-              <a:rPr lang="ru-RU" b="1" dirty="0" smtClean="0"/>
-              <a:t>камнями (доказательство)</a:t>
-            </a:r>
-            <a:endParaRPr lang="ru-RU" dirty="0"/>
-          </a:p>
-        </p:txBody>
-      </p:sp>
-      <p:sp>
-        <p:nvSpPr>
-          <p:cNvPr id="3" name="Объект 2"/>
-          <p:cNvSpPr>
-            <a:spLocks noGrp="1"/>
-          </p:cNvSpPr>
-          <p:nvPr>
-            <p:ph idx="1"/>
-          </p:nvPr>
-        </p:nvSpPr>
-        <p:spPr/>
-        <p:txBody>
-          <a:bodyPr>
-            <a:normAutofit/>
-          </a:bodyPr>
-          <a:lstStyle/>
-          <a:p>
-            <a:pPr marL="0" indent="0">
-              <a:buNone/>
-            </a:pPr>
-            <a:r>
               <a:rPr lang="ru-RU" dirty="0"/>
-              <a:t>Выражение для набора I не всегда больше выражения для набора II. Например</a:t>
-            </a:r>
-            <a:r>
-              <a:rPr lang="ru-RU" dirty="0" smtClean="0"/>
-              <a:t>:</a:t>
-            </a:r>
-          </a:p>
-          <a:p>
-            <a:pPr marL="0" indent="0">
-              <a:buNone/>
-            </a:pPr>
-            <a:endParaRPr lang="ru-RU" dirty="0"/>
-          </a:p>
-          <a:p>
-            <a:pPr marL="0" indent="0">
-              <a:buNone/>
-            </a:pPr>
-            <a:r>
-              <a:rPr lang="ru-RU" dirty="0"/>
-              <a:t>Легко проверить, </a:t>
-            </a:r>
-            <a:r>
-              <a:rPr lang="ru-RU" dirty="0" smtClean="0"/>
-              <a:t>что</a:t>
-            </a:r>
-          </a:p>
-          <a:p>
-            <a:pPr marL="0" indent="0">
-              <a:buNone/>
-            </a:pPr>
-            <a:r>
-              <a:rPr lang="ru-RU" dirty="0"/>
-              <a:t>В то время как </a:t>
-            </a:r>
-            <a:endParaRPr lang="ru-RU" dirty="0" smtClean="0"/>
-          </a:p>
-          <a:p>
-            <a:pPr marL="0" indent="0">
-              <a:buNone/>
-            </a:pPr>
-            <a:endParaRPr lang="ru-RU" dirty="0" smtClean="0"/>
+              <a:t>Пример 2: конверсия с инструментами </a:t>
+            </a:r>
+            <a:r>
+              <a:rPr lang="en-US" dirty="0"/>
+              <a:t>A/B</a:t>
+            </a:r>
           </a:p>
         </p:txBody>
       </p:sp>
       <p:pic>
         <p:nvPicPr>
-          <p:cNvPr id="8" name="Рисунок 7" descr="{\displaystyle n_{1}=6,~m_{1}=13,~n_{2}=4,~m_{2}=9,~n_{3}=6,~m_{3}=9,~n_{4}=9,~m_{4}=14}"/>
-          <p:cNvPicPr/>
+          <p:cNvPr id="4" name="Рисунок 3">
+            <a:extLst>
+              <a:ext uri="{FF2B5EF4-FFF2-40B4-BE49-F238E27FC236}">
+                <a16:creationId xmlns:a16="http://schemas.microsoft.com/office/drawing/2014/main" id="{731DAB0C-A895-4377-A5C0-C947CCB9EE61}"/>
+              </a:ext>
+            </a:extLst>
+          </p:cNvPr>
+          <p:cNvPicPr>
+            <a:picLocks noChangeAspect="1"/>
+          </p:cNvPicPr>
           <p:nvPr/>
         </p:nvPicPr>
         <p:blipFill>
-          <a:blip r:embed="rId2">
-            <a:extLst>
-              <a:ext uri="{28A0092B-C50C-407E-A947-70E740481C1C}">
-                <a14:useLocalDpi xmlns:a14="http://schemas.microsoft.com/office/drawing/2010/main" val="0"/>
-              </a:ext>
-            </a:extLst>
-          </a:blip>
-          <a:srcRect/>
+          <a:blip r:embed="rId2"/>
           <a:stretch>
             <a:fillRect/>
           </a:stretch>
         </p:blipFill>
-        <p:spPr bwMode="auto">
+        <p:spPr>
           <a:xfrm>
-            <a:off x="611560" y="2708920"/>
-            <a:ext cx="7632848" cy="360040"/>
+            <a:off x="53016" y="2308244"/>
+            <a:ext cx="9037967" cy="2241512"/>
+          </a:xfrm>
+          <a:prstGeom prst="rect">
+            <a:avLst/>
+          </a:prstGeom>
+        </p:spPr>
+      </p:pic>
+      <p:sp>
+        <p:nvSpPr>
+          <p:cNvPr id="5" name="TextBox 4">
+            <a:extLst>
+              <a:ext uri="{FF2B5EF4-FFF2-40B4-BE49-F238E27FC236}">
+                <a16:creationId xmlns:a16="http://schemas.microsoft.com/office/drawing/2014/main" id="{52CE2662-8F36-4A9A-A40E-8074508D231A}"/>
+              </a:ext>
+            </a:extLst>
+          </p:cNvPr>
+          <p:cNvSpPr txBox="1"/>
+          <p:nvPr/>
+        </p:nvSpPr>
+        <p:spPr>
+          <a:xfrm>
+            <a:off x="0" y="1700808"/>
+            <a:ext cx="9144000" cy="646331"/>
           </a:xfrm>
           <a:prstGeom prst="rect">
             <a:avLst/>
           </a:prstGeom>
           <a:noFill/>
-          <a:ln>
-            <a:noFill/>
-          </a:ln>
         </p:spPr>
-      </p:pic>
-      <p:pic>
-        <p:nvPicPr>
-          <p:cNvPr id="14" name="Рисунок 13" descr="{\displaystyle 6/13&gt;4/9,~6/9&gt;9/14}"/>
-          <p:cNvPicPr/>
-          <p:nvPr/>
-        </p:nvPicPr>
-        <p:blipFill>
-          <a:blip r:embed="rId3">
-            <a:extLst>
-              <a:ext uri="{28A0092B-C50C-407E-A947-70E740481C1C}">
-                <a14:useLocalDpi xmlns:a14="http://schemas.microsoft.com/office/drawing/2010/main" val="0"/>
-              </a:ext>
-            </a:extLst>
-          </a:blip>
-          <a:srcRect/>
-          <a:stretch>
-            <a:fillRect/>
-          </a:stretch>
-        </p:blipFill>
-        <p:spPr bwMode="auto">
-          <a:xfrm>
-            <a:off x="4283968" y="3284985"/>
-            <a:ext cx="4104456" cy="430718"/>
-          </a:xfrm>
-          <a:prstGeom prst="rect">
-            <a:avLst/>
-          </a:prstGeom>
-          <a:noFill/>
-          <a:ln>
-            <a:noFill/>
-          </a:ln>
-        </p:spPr>
-      </p:pic>
-      <p:pic>
-        <p:nvPicPr>
-          <p:cNvPr id="15" name="Рисунок 14" descr="{\displaystyle 12/22&lt;13/23}"/>
-          <p:cNvPicPr/>
-          <p:nvPr/>
-        </p:nvPicPr>
-        <p:blipFill>
-          <a:blip r:embed="rId4">
-            <a:extLst>
-              <a:ext uri="{28A0092B-C50C-407E-A947-70E740481C1C}">
-                <a14:useLocalDpi xmlns:a14="http://schemas.microsoft.com/office/drawing/2010/main" val="0"/>
-              </a:ext>
-            </a:extLst>
-          </a:blip>
-          <a:srcRect/>
-          <a:stretch>
-            <a:fillRect/>
-          </a:stretch>
-        </p:blipFill>
-        <p:spPr bwMode="auto">
-          <a:xfrm>
-            <a:off x="3238836" y="3865879"/>
-            <a:ext cx="2369766" cy="491232"/>
-          </a:xfrm>
-          <a:prstGeom prst="rect">
-            <a:avLst/>
-          </a:prstGeom>
-          <a:noFill/>
-          <a:ln>
-            <a:noFill/>
-          </a:ln>
-        </p:spPr>
-      </p:pic>
+        <p:txBody>
+          <a:bodyPr wrap="square" rtlCol="0">
+            <a:spAutoFit/>
+          </a:bodyPr>
+          <a:lstStyle/>
+          <a:p>
+            <a:r>
+              <a:rPr lang="ru-RU" dirty="0"/>
+              <a:t>Условие: в первый день сломался распределитель посетителей, и вариант В получил преимущество</a:t>
+            </a:r>
+            <a:endParaRPr lang="en-US" dirty="0"/>
+          </a:p>
+        </p:txBody>
+      </p:sp>
     </p:spTree>
     <p:extLst>
       <p:ext uri="{BB962C8B-B14F-4D97-AF65-F5344CB8AC3E}">
-        <p14:creationId xmlns:p14="http://schemas.microsoft.com/office/powerpoint/2010/main" val="2356683659"/>
+        <p14:creationId xmlns:p14="http://schemas.microsoft.com/office/powerpoint/2010/main" val="4029867027"/>
       </p:ext>
     </p:extLst>
   </p:cSld>
   <p:clrMapOvr>
     <a:masterClrMapping/>
   </p:clrMapOvr>
-  <p:timing>
-    <p:tnLst>
-      <p:par>
-        <p:cTn id="1" dur="indefinite" restart="never" nodeType="tmRoot"/>
-      </p:par>
-    </p:tnLst>
-  </p:timing>
 </p:sld>
 </file>
 
@@ -4013,83 +3823,13 @@
       </p:grpSpPr>
       <p:sp>
         <p:nvSpPr>
-          <p:cNvPr id="2" name="Заголовок 1"/>
-          <p:cNvSpPr>
-            <a:spLocks noGrp="1"/>
-          </p:cNvSpPr>
-          <p:nvPr>
-            <p:ph type="title"/>
-          </p:nvPr>
-        </p:nvSpPr>
-        <p:spPr/>
-        <p:txBody>
-          <a:bodyPr/>
-          <a:lstStyle/>
-          <a:p>
-            <a:r>
-              <a:rPr lang="ru-RU" b="1" dirty="0" smtClean="0"/>
-              <a:t>Причина</a:t>
-            </a:r>
-            <a:endParaRPr lang="ru-RU" b="1" dirty="0"/>
-          </a:p>
-        </p:txBody>
-      </p:sp>
-      <p:sp>
-        <p:nvSpPr>
-          <p:cNvPr id="3" name="Объект 2"/>
-          <p:cNvSpPr>
-            <a:spLocks noGrp="1"/>
-          </p:cNvSpPr>
-          <p:nvPr>
-            <p:ph idx="1"/>
-          </p:nvPr>
-        </p:nvSpPr>
-        <p:spPr/>
-        <p:txBody>
-          <a:bodyPr/>
-          <a:lstStyle/>
-          <a:p>
-            <a:r>
-              <a:rPr lang="ru-RU" dirty="0" smtClean="0"/>
-              <a:t>Некорректное усреднение 2х групп данных с различной долей контрольных наблюдений</a:t>
-            </a:r>
-            <a:endParaRPr lang="ru-RU" dirty="0"/>
-          </a:p>
-        </p:txBody>
-      </p:sp>
-    </p:spTree>
-    <p:extLst>
-      <p:ext uri="{BB962C8B-B14F-4D97-AF65-F5344CB8AC3E}">
-        <p14:creationId xmlns:p14="http://schemas.microsoft.com/office/powerpoint/2010/main" val="1194357696"/>
-      </p:ext>
-    </p:extLst>
-  </p:cSld>
-  <p:clrMapOvr>
-    <a:masterClrMapping/>
-  </p:clrMapOvr>
-</p:sld>
-</file>
-
-<file path=ppt/slides/slide7.xml><?xml version="1.0" encoding="utf-8"?>
-<p:sld xmlns:a="http://schemas.openxmlformats.org/drawingml/2006/main" xmlns:r="http://schemas.openxmlformats.org/officeDocument/2006/relationships" xmlns:p="http://schemas.openxmlformats.org/presentationml/2006/main">
-  <p:cSld>
-    <p:spTree>
-      <p:nvGrpSpPr>
-        <p:cNvPr id="1" name=""/>
-        <p:cNvGrpSpPr/>
-        <p:nvPr/>
-      </p:nvGrpSpPr>
-      <p:grpSpPr>
-        <a:xfrm>
-          <a:off x="0" y="0"/>
-          <a:ext cx="0" cy="0"/>
-          <a:chOff x="0" y="0"/>
-          <a:chExt cx="0" cy="0"/>
-        </a:xfrm>
-      </p:grpSpPr>
-      <p:sp>
-        <p:nvSpPr>
-          <p:cNvPr id="2" name="Заголовок 1"/>
+          <p:cNvPr id="2" name="Заголовок 1">
+            <a:extLst>
+              <a:ext uri="{FF2B5EF4-FFF2-40B4-BE49-F238E27FC236}">
+                <a16:creationId xmlns:a16="http://schemas.microsoft.com/office/drawing/2014/main" id="{CE0227B6-DF81-4EB9-B919-07F559F097FF}"/>
+              </a:ext>
+            </a:extLst>
+          </p:cNvPr>
           <p:cNvSpPr>
             <a:spLocks noGrp="1"/>
           </p:cNvSpPr>
@@ -4099,44 +3839,33 @@
         </p:nvSpPr>
         <p:spPr>
           <a:xfrm>
-            <a:off x="457200" y="274638"/>
-            <a:ext cx="8229600" cy="850106"/>
+            <a:off x="457200" y="0"/>
+            <a:ext cx="8229600" cy="1340768"/>
           </a:xfrm>
         </p:spPr>
         <p:txBody>
-          <a:bodyPr/>
-          <a:lstStyle/>
-          <a:p>
-            <a:r>
-              <a:rPr lang="ru-RU" dirty="0" smtClean="0"/>
-              <a:t>Начальные данные</a:t>
-            </a:r>
-            <a:endParaRPr lang="ru-RU" dirty="0"/>
-          </a:p>
-        </p:txBody>
-      </p:sp>
-      <p:sp>
-        <p:nvSpPr>
-          <p:cNvPr id="3" name="Объект 2"/>
-          <p:cNvSpPr>
-            <a:spLocks noGrp="1"/>
-          </p:cNvSpPr>
-          <p:nvPr>
-            <p:ph idx="1"/>
-          </p:nvPr>
-        </p:nvSpPr>
-        <p:spPr/>
-        <p:txBody>
-          <a:bodyPr/>
-          <a:lstStyle/>
-          <a:p>
-            <a:endParaRPr lang="ru-RU"/>
+          <a:bodyPr>
+            <a:normAutofit fontScale="90000"/>
+          </a:bodyPr>
+          <a:lstStyle/>
+          <a:p>
+            <a:r>
+              <a:rPr lang="ru-RU" dirty="0"/>
+              <a:t>Пример 3: влияние посещений на конверсию</a:t>
+            </a:r>
+            <a:endParaRPr lang="en-US" dirty="0"/>
           </a:p>
         </p:txBody>
       </p:sp>
       <p:pic>
         <p:nvPicPr>
-          <p:cNvPr id="4" name="Рисунок 3"/>
+          <p:cNvPr id="4" name="Рисунок 3">
+            <a:extLst>
+              <a:ext uri="{FF2B5EF4-FFF2-40B4-BE49-F238E27FC236}">
+                <a16:creationId xmlns:a16="http://schemas.microsoft.com/office/drawing/2014/main" id="{1C3F3F8E-5286-46B9-BC55-1379729BE8AF}"/>
+              </a:ext>
+            </a:extLst>
+          </p:cNvPr>
           <p:cNvPicPr/>
           <p:nvPr/>
         </p:nvPicPr>
@@ -4148,8 +3877,36 @@
         </p:blipFill>
         <p:spPr>
           <a:xfrm>
-            <a:off x="0" y="1124744"/>
-            <a:ext cx="9144000" cy="4464496"/>
+            <a:off x="971600" y="1439693"/>
+            <a:ext cx="7200800" cy="2034054"/>
+          </a:xfrm>
+          <a:prstGeom prst="rect">
+            <a:avLst/>
+          </a:prstGeom>
+        </p:spPr>
+      </p:pic>
+      <p:pic>
+        <p:nvPicPr>
+          <p:cNvPr id="5" name="Рисунок 4">
+            <a:extLst>
+              <a:ext uri="{FF2B5EF4-FFF2-40B4-BE49-F238E27FC236}">
+                <a16:creationId xmlns:a16="http://schemas.microsoft.com/office/drawing/2014/main" id="{BEB528EE-72D7-4E1E-A08F-796A5CB0ABC8}"/>
+              </a:ext>
+            </a:extLst>
+          </p:cNvPr>
+          <p:cNvPicPr/>
+          <p:nvPr/>
+        </p:nvPicPr>
+        <p:blipFill>
+          <a:blip r:embed="rId3"/>
+          <a:stretch>
+            <a:fillRect/>
+          </a:stretch>
+        </p:blipFill>
+        <p:spPr>
+          <a:xfrm>
+            <a:off x="471995" y="4005064"/>
+            <a:ext cx="8229600" cy="2646122"/>
           </a:xfrm>
           <a:prstGeom prst="rect">
             <a:avLst/>
@@ -4159,200 +3916,7 @@
     </p:spTree>
     <p:extLst>
       <p:ext uri="{BB962C8B-B14F-4D97-AF65-F5344CB8AC3E}">
-        <p14:creationId xmlns:p14="http://schemas.microsoft.com/office/powerpoint/2010/main" val="1980662149"/>
-      </p:ext>
-    </p:extLst>
-  </p:cSld>
-  <p:clrMapOvr>
-    <a:masterClrMapping/>
-  </p:clrMapOvr>
-</p:sld>
-</file>
-
-<file path=ppt/slides/slide8.xml><?xml version="1.0" encoding="utf-8"?>
-<p:sld xmlns:a="http://schemas.openxmlformats.org/drawingml/2006/main" xmlns:r="http://schemas.openxmlformats.org/officeDocument/2006/relationships" xmlns:p="http://schemas.openxmlformats.org/presentationml/2006/main">
-  <p:cSld>
-    <p:spTree>
-      <p:nvGrpSpPr>
-        <p:cNvPr id="1" name=""/>
-        <p:cNvGrpSpPr/>
-        <p:nvPr/>
-      </p:nvGrpSpPr>
-      <p:grpSpPr>
-        <a:xfrm>
-          <a:off x="0" y="0"/>
-          <a:ext cx="0" cy="0"/>
-          <a:chOff x="0" y="0"/>
-          <a:chExt cx="0" cy="0"/>
-        </a:xfrm>
-      </p:grpSpPr>
-      <p:sp>
-        <p:nvSpPr>
-          <p:cNvPr id="2" name="Заголовок 1"/>
-          <p:cNvSpPr>
-            <a:spLocks noGrp="1"/>
-          </p:cNvSpPr>
-          <p:nvPr>
-            <p:ph type="title"/>
-          </p:nvPr>
-        </p:nvSpPr>
-        <p:spPr/>
-        <p:txBody>
-          <a:bodyPr/>
-          <a:lstStyle/>
-          <a:p>
-            <a:r>
-              <a:rPr lang="ru-RU" dirty="0" smtClean="0"/>
-              <a:t>Закономерность не сохраняется</a:t>
-            </a:r>
-            <a:endParaRPr lang="ru-RU" dirty="0"/>
-          </a:p>
-        </p:txBody>
-      </p:sp>
-      <p:sp>
-        <p:nvSpPr>
-          <p:cNvPr id="3" name="Объект 2"/>
-          <p:cNvSpPr>
-            <a:spLocks noGrp="1"/>
-          </p:cNvSpPr>
-          <p:nvPr>
-            <p:ph idx="1"/>
-          </p:nvPr>
-        </p:nvSpPr>
-        <p:spPr/>
-        <p:txBody>
-          <a:bodyPr/>
-          <a:lstStyle/>
-          <a:p>
-            <a:endParaRPr lang="ru-RU"/>
-          </a:p>
-        </p:txBody>
-      </p:sp>
-      <p:pic>
-        <p:nvPicPr>
-          <p:cNvPr id="5" name="Рисунок 4"/>
-          <p:cNvPicPr/>
-          <p:nvPr/>
-        </p:nvPicPr>
-        <p:blipFill>
-          <a:blip r:embed="rId2"/>
-          <a:stretch>
-            <a:fillRect/>
-          </a:stretch>
-        </p:blipFill>
-        <p:spPr>
-          <a:xfrm>
-            <a:off x="-1" y="2132856"/>
-            <a:ext cx="9143999" cy="2808312"/>
-          </a:xfrm>
-          <a:prstGeom prst="rect">
-            <a:avLst/>
-          </a:prstGeom>
-        </p:spPr>
-      </p:pic>
-    </p:spTree>
-    <p:extLst>
-      <p:ext uri="{BB962C8B-B14F-4D97-AF65-F5344CB8AC3E}">
-        <p14:creationId xmlns:p14="http://schemas.microsoft.com/office/powerpoint/2010/main" val="1588199135"/>
-      </p:ext>
-    </p:extLst>
-  </p:cSld>
-  <p:clrMapOvr>
-    <a:masterClrMapping/>
-  </p:clrMapOvr>
-</p:sld>
-</file>
-
-<file path=ppt/slides/slide9.xml><?xml version="1.0" encoding="utf-8"?>
-<p:sld xmlns:a="http://schemas.openxmlformats.org/drawingml/2006/main" xmlns:r="http://schemas.openxmlformats.org/officeDocument/2006/relationships" xmlns:p="http://schemas.openxmlformats.org/presentationml/2006/main">
-  <p:cSld>
-    <p:spTree>
-      <p:nvGrpSpPr>
-        <p:cNvPr id="1" name=""/>
-        <p:cNvGrpSpPr/>
-        <p:nvPr/>
-      </p:nvGrpSpPr>
-      <p:grpSpPr>
-        <a:xfrm>
-          <a:off x="0" y="0"/>
-          <a:ext cx="0" cy="0"/>
-          <a:chOff x="0" y="0"/>
-          <a:chExt cx="0" cy="0"/>
-        </a:xfrm>
-      </p:grpSpPr>
-      <p:sp>
-        <p:nvSpPr>
-          <p:cNvPr id="2" name="Заголовок 1"/>
-          <p:cNvSpPr>
-            <a:spLocks noGrp="1"/>
-          </p:cNvSpPr>
-          <p:nvPr>
-            <p:ph type="title"/>
-          </p:nvPr>
-        </p:nvSpPr>
-        <p:spPr>
-          <a:xfrm>
-            <a:off x="457200" y="0"/>
-            <a:ext cx="8229600" cy="1268760"/>
-          </a:xfrm>
-        </p:spPr>
-        <p:txBody>
-          <a:bodyPr/>
-          <a:lstStyle/>
-          <a:p>
-            <a:r>
-              <a:rPr lang="ru-RU" dirty="0" smtClean="0"/>
-              <a:t>Итоговые данные</a:t>
-            </a:r>
-            <a:endParaRPr lang="ru-RU" dirty="0"/>
-          </a:p>
-        </p:txBody>
-      </p:sp>
-      <p:sp>
-        <p:nvSpPr>
-          <p:cNvPr id="3" name="Объект 2"/>
-          <p:cNvSpPr>
-            <a:spLocks noGrp="1"/>
-          </p:cNvSpPr>
-          <p:nvPr>
-            <p:ph idx="1"/>
-          </p:nvPr>
-        </p:nvSpPr>
-        <p:spPr/>
-        <p:txBody>
-          <a:bodyPr/>
-          <a:lstStyle/>
-          <a:p>
-            <a:endParaRPr lang="ru-RU"/>
-          </a:p>
-        </p:txBody>
-      </p:sp>
-      <p:pic>
-        <p:nvPicPr>
-          <p:cNvPr id="6" name="Рисунок 5"/>
-          <p:cNvPicPr/>
-          <p:nvPr/>
-        </p:nvPicPr>
-        <p:blipFill>
-          <a:blip r:embed="rId2"/>
-          <a:stretch>
-            <a:fillRect/>
-          </a:stretch>
-        </p:blipFill>
-        <p:spPr>
-          <a:xfrm>
-            <a:off x="0" y="1129130"/>
-            <a:ext cx="9144000" cy="5760639"/>
-          </a:xfrm>
-          <a:prstGeom prst="rect">
-            <a:avLst/>
-          </a:prstGeom>
-        </p:spPr>
-      </p:pic>
-    </p:spTree>
-    <p:extLst>
-      <p:ext uri="{BB962C8B-B14F-4D97-AF65-F5344CB8AC3E}">
-        <p14:creationId xmlns:p14="http://schemas.microsoft.com/office/powerpoint/2010/main" val="2196068247"/>
+        <p14:creationId xmlns:p14="http://schemas.microsoft.com/office/powerpoint/2010/main" val="4009383489"/>
       </p:ext>
     </p:extLst>
   </p:cSld>
